--- a/workshop/materi/6 - Laravel Controller.pptx
+++ b/workshop/materi/6 - Laravel Controller.pptx
@@ -110,6 +110,7 @@
       </a:defRPr>
     </a:lvl9pPr>
   </p:defaultTextStyle>
+  <p:modifyVerifier cryptProviderType="rsaAES" cryptAlgorithmClass="hash" cryptAlgorithmType="typeAny" cryptAlgorithmSid="14" spinCount="100000" saltData="h9yAQ+5cPxtgB+0f/Xolkw==" hashData="sz9/H03EF9PDsdmpIJMcoyLTBfSlx4Phg8HbJO2wJbIcMjkPSq5y08Zh12Dnp+/KXrPDIvTQr/C6RhNGevQseg=="/>
   <p:extLst>
     <p:ext uri="{EFAFB233-063F-42B5-8137-9DF3F51BA10A}">
       <p15:sldGuideLst xmlns:p15="http://schemas.microsoft.com/office/powerpoint/2012/main">
@@ -293,7 +294,7 @@
           <a:p>
             <a:fld id="{297FE354-37D6-4FB6-8D97-DBC5B474A4AA}" type="datetimeFigureOut">
               <a:rPr lang="en-ID" smtClean="0"/>
-              <a:t>23/12/22</a:t>
+              <a:t>25/12/2022</a:t>
             </a:fld>
             <a:endParaRPr lang="en-ID"/>
           </a:p>
@@ -493,7 +494,7 @@
           <a:p>
             <a:fld id="{297FE354-37D6-4FB6-8D97-DBC5B474A4AA}" type="datetimeFigureOut">
               <a:rPr lang="en-ID" smtClean="0"/>
-              <a:t>23/12/22</a:t>
+              <a:t>25/12/2022</a:t>
             </a:fld>
             <a:endParaRPr lang="en-ID"/>
           </a:p>
@@ -703,7 +704,7 @@
           <a:p>
             <a:fld id="{297FE354-37D6-4FB6-8D97-DBC5B474A4AA}" type="datetimeFigureOut">
               <a:rPr lang="en-ID" smtClean="0"/>
-              <a:t>23/12/22</a:t>
+              <a:t>25/12/2022</a:t>
             </a:fld>
             <a:endParaRPr lang="en-ID"/>
           </a:p>
@@ -903,7 +904,7 @@
           <a:p>
             <a:fld id="{297FE354-37D6-4FB6-8D97-DBC5B474A4AA}" type="datetimeFigureOut">
               <a:rPr lang="en-ID" smtClean="0"/>
-              <a:t>23/12/22</a:t>
+              <a:t>25/12/2022</a:t>
             </a:fld>
             <a:endParaRPr lang="en-ID"/>
           </a:p>
@@ -1179,7 +1180,7 @@
           <a:p>
             <a:fld id="{297FE354-37D6-4FB6-8D97-DBC5B474A4AA}" type="datetimeFigureOut">
               <a:rPr lang="en-ID" smtClean="0"/>
-              <a:t>23/12/22</a:t>
+              <a:t>25/12/2022</a:t>
             </a:fld>
             <a:endParaRPr lang="en-ID"/>
           </a:p>
@@ -1447,7 +1448,7 @@
           <a:p>
             <a:fld id="{297FE354-37D6-4FB6-8D97-DBC5B474A4AA}" type="datetimeFigureOut">
               <a:rPr lang="en-ID" smtClean="0"/>
-              <a:t>23/12/22</a:t>
+              <a:t>25/12/2022</a:t>
             </a:fld>
             <a:endParaRPr lang="en-ID"/>
           </a:p>
@@ -1862,7 +1863,7 @@
           <a:p>
             <a:fld id="{297FE354-37D6-4FB6-8D97-DBC5B474A4AA}" type="datetimeFigureOut">
               <a:rPr lang="en-ID" smtClean="0"/>
-              <a:t>23/12/22</a:t>
+              <a:t>25/12/2022</a:t>
             </a:fld>
             <a:endParaRPr lang="en-ID"/>
           </a:p>
@@ -2004,7 +2005,7 @@
           <a:p>
             <a:fld id="{297FE354-37D6-4FB6-8D97-DBC5B474A4AA}" type="datetimeFigureOut">
               <a:rPr lang="en-ID" smtClean="0"/>
-              <a:t>23/12/22</a:t>
+              <a:t>25/12/2022</a:t>
             </a:fld>
             <a:endParaRPr lang="en-ID"/>
           </a:p>
@@ -2117,7 +2118,7 @@
           <a:p>
             <a:fld id="{297FE354-37D6-4FB6-8D97-DBC5B474A4AA}" type="datetimeFigureOut">
               <a:rPr lang="en-ID" smtClean="0"/>
-              <a:t>23/12/22</a:t>
+              <a:t>25/12/2022</a:t>
             </a:fld>
             <a:endParaRPr lang="en-ID"/>
           </a:p>
@@ -2430,7 +2431,7 @@
           <a:p>
             <a:fld id="{297FE354-37D6-4FB6-8D97-DBC5B474A4AA}" type="datetimeFigureOut">
               <a:rPr lang="en-ID" smtClean="0"/>
-              <a:t>23/12/22</a:t>
+              <a:t>25/12/2022</a:t>
             </a:fld>
             <a:endParaRPr lang="en-ID"/>
           </a:p>
@@ -2719,7 +2720,7 @@
           <a:p>
             <a:fld id="{297FE354-37D6-4FB6-8D97-DBC5B474A4AA}" type="datetimeFigureOut">
               <a:rPr lang="en-ID" smtClean="0"/>
-              <a:t>23/12/22</a:t>
+              <a:t>25/12/2022</a:t>
             </a:fld>
             <a:endParaRPr lang="en-ID"/>
           </a:p>
@@ -2962,7 +2963,7 @@
           <a:p>
             <a:fld id="{297FE354-37D6-4FB6-8D97-DBC5B474A4AA}" type="datetimeFigureOut">
               <a:rPr lang="en-ID" smtClean="0"/>
-              <a:t>23/12/22</a:t>
+              <a:t>25/12/2022</a:t>
             </a:fld>
             <a:endParaRPr lang="en-ID"/>
           </a:p>
